--- a/Servlets/Day1/Docs/Web Presentation-Part1.pptx
+++ b/Servlets/Day1/Docs/Web Presentation-Part1.pptx
@@ -43,8 +43,8 @@
     <p:sldId id="336" r:id="rId37"/>
     <p:sldId id="332" r:id="rId38"/>
     <p:sldId id="330" r:id="rId39"/>
-    <p:sldId id="316" r:id="rId40"/>
-    <p:sldId id="334" r:id="rId41"/>
+    <p:sldId id="334" r:id="rId40"/>
+    <p:sldId id="316" r:id="rId41"/>
     <p:sldId id="328" r:id="rId42"/>
     <p:sldId id="319" r:id="rId43"/>
     <p:sldId id="320" r:id="rId44"/>
@@ -256,7 +256,7 @@
           <a:p>
             <a:fld id="{4F94E7C4-328C-457B-8CA2-EE381C323794}" type="datetimeFigureOut">
               <a:rPr lang="en-US" smtClean="0"/>
-              <a:t>7/12/2017</a:t>
+              <a:t>7/14/2017</a:t>
             </a:fld>
             <a:endParaRPr lang="en-US"/>
           </a:p>
@@ -3014,77 +3014,7 @@
           <a:bodyPr/>
           <a:lstStyle/>
           <a:p>
-            <a:r>
-              <a:rPr lang="ro-RO" b="1" dirty="0" smtClean="0"/>
-              <a:t>public interface Servlet {</a:t>
-            </a:r>
-            <a:r>
-              <a:rPr lang="en-US" b="1" dirty="0" smtClean="0"/>
-              <a:t>…}</a:t>
-            </a:r>
-          </a:p>
-          <a:p>
-            <a:endParaRPr lang="en-US" dirty="0" smtClean="0"/>
-          </a:p>
-          <a:p>
-            <a:r>
-              <a:rPr lang="ro-RO" b="1" dirty="0" smtClean="0"/>
-              <a:t>public abstract class HttpServlet extends GenericServlet</a:t>
-            </a:r>
-          </a:p>
-          <a:p>
-            <a:pPr marL="0" indent="0">
-              <a:buNone/>
-            </a:pPr>
-            <a:r>
-              <a:rPr lang="ro-RO" b="1" dirty="0" smtClean="0"/>
-              <a:t>    </a:t>
-            </a:r>
-            <a:r>
-              <a:rPr lang="en-US" b="1" dirty="0" smtClean="0"/>
-              <a:t>	</a:t>
-            </a:r>
-            <a:r>
-              <a:rPr lang="ro-RO" b="1" dirty="0" smtClean="0"/>
-              <a:t>implements java.io.Serializable{</a:t>
-            </a:r>
-            <a:r>
-              <a:rPr lang="en-US" b="1" dirty="0" smtClean="0"/>
-              <a:t>…}</a:t>
-            </a:r>
-          </a:p>
-          <a:p>
-            <a:endParaRPr lang="en-US" b="1" dirty="0" smtClean="0"/>
-          </a:p>
-          <a:p>
-            <a:r>
-              <a:rPr lang="en-US" dirty="0" smtClean="0"/>
-              <a:t>To create your own servlet you must extend </a:t>
-            </a:r>
-            <a:r>
-              <a:rPr lang="en-US" dirty="0" err="1" smtClean="0"/>
-              <a:t>HttpServlet</a:t>
-            </a:r>
-            <a:r>
-              <a:rPr lang="en-US" dirty="0" smtClean="0"/>
-              <a:t> and override </a:t>
-            </a:r>
-            <a:r>
-              <a:rPr lang="en-US" dirty="0" err="1" smtClean="0"/>
-              <a:t>doGet</a:t>
-            </a:r>
-            <a:r>
-              <a:rPr lang="en-US" dirty="0" smtClean="0"/>
-              <a:t> or </a:t>
-            </a:r>
-            <a:r>
-              <a:rPr lang="en-US" dirty="0" err="1" smtClean="0"/>
-              <a:t>doPost</a:t>
-            </a:r>
-            <a:r>
-              <a:rPr lang="en-US" dirty="0" smtClean="0"/>
-              <a:t> method</a:t>
-            </a:r>
+            <a:endParaRPr lang="en-US" dirty="0"/>
           </a:p>
         </p:txBody>
       </p:sp>
@@ -3114,7 +3044,7 @@
     </p:spTree>
     <p:extLst>
       <p:ext uri="{BB962C8B-B14F-4D97-AF65-F5344CB8AC3E}">
-        <p14:creationId xmlns:p14="http://schemas.microsoft.com/office/powerpoint/2010/main" val="2932503877"/>
+        <p14:creationId xmlns:p14="http://schemas.microsoft.com/office/powerpoint/2010/main" val="1818067713"/>
       </p:ext>
     </p:extLst>
   </p:cSld>
@@ -3408,7 +3338,77 @@
           <a:bodyPr/>
           <a:lstStyle/>
           <a:p>
-            <a:endParaRPr lang="en-US" dirty="0"/>
+            <a:r>
+              <a:rPr lang="ro-RO" b="1" dirty="0" smtClean="0"/>
+              <a:t>public interface Servlet {</a:t>
+            </a:r>
+            <a:r>
+              <a:rPr lang="en-US" b="1" dirty="0" smtClean="0"/>
+              <a:t>…}</a:t>
+            </a:r>
+          </a:p>
+          <a:p>
+            <a:endParaRPr lang="en-US" dirty="0" smtClean="0"/>
+          </a:p>
+          <a:p>
+            <a:r>
+              <a:rPr lang="ro-RO" b="1" dirty="0" smtClean="0"/>
+              <a:t>public abstract class HttpServlet extends GenericServlet</a:t>
+            </a:r>
+          </a:p>
+          <a:p>
+            <a:pPr marL="0" indent="0">
+              <a:buNone/>
+            </a:pPr>
+            <a:r>
+              <a:rPr lang="ro-RO" b="1" dirty="0" smtClean="0"/>
+              <a:t>    </a:t>
+            </a:r>
+            <a:r>
+              <a:rPr lang="en-US" b="1" dirty="0" smtClean="0"/>
+              <a:t>	</a:t>
+            </a:r>
+            <a:r>
+              <a:rPr lang="ro-RO" b="1" dirty="0" smtClean="0"/>
+              <a:t>implements java.io.Serializable{</a:t>
+            </a:r>
+            <a:r>
+              <a:rPr lang="en-US" b="1" dirty="0" smtClean="0"/>
+              <a:t>…}</a:t>
+            </a:r>
+          </a:p>
+          <a:p>
+            <a:endParaRPr lang="en-US" b="1" dirty="0" smtClean="0"/>
+          </a:p>
+          <a:p>
+            <a:r>
+              <a:rPr lang="en-US" dirty="0" smtClean="0"/>
+              <a:t>To create your own servlet you must extend </a:t>
+            </a:r>
+            <a:r>
+              <a:rPr lang="en-US" dirty="0" err="1" smtClean="0"/>
+              <a:t>HttpServlet</a:t>
+            </a:r>
+            <a:r>
+              <a:rPr lang="en-US" dirty="0" smtClean="0"/>
+              <a:t> and override </a:t>
+            </a:r>
+            <a:r>
+              <a:rPr lang="en-US" dirty="0" err="1" smtClean="0"/>
+              <a:t>doGet</a:t>
+            </a:r>
+            <a:r>
+              <a:rPr lang="en-US" dirty="0" smtClean="0"/>
+              <a:t> or </a:t>
+            </a:r>
+            <a:r>
+              <a:rPr lang="en-US" dirty="0" err="1" smtClean="0"/>
+              <a:t>doPost</a:t>
+            </a:r>
+            <a:r>
+              <a:rPr lang="en-US" dirty="0" smtClean="0"/>
+              <a:t> method</a:t>
+            </a:r>
           </a:p>
         </p:txBody>
       </p:sp>
@@ -3438,7 +3438,7 @@
     </p:spTree>
     <p:extLst>
       <p:ext uri="{BB962C8B-B14F-4D97-AF65-F5344CB8AC3E}">
-        <p14:creationId xmlns:p14="http://schemas.microsoft.com/office/powerpoint/2010/main" val="1818067713"/>
+        <p14:creationId xmlns:p14="http://schemas.microsoft.com/office/powerpoint/2010/main" val="2932503877"/>
       </p:ext>
     </p:extLst>
   </p:cSld>
@@ -4314,11 +4314,7 @@
             </a:r>
             <a:r>
               <a:rPr lang="en-US" dirty="0" smtClean="0"/>
-              <a:t> (also known as a Servlet </a:t>
-            </a:r>
-            <a:r>
-              <a:rPr lang="en-US" dirty="0" smtClean="0"/>
-              <a:t>container or </a:t>
+              <a:t> (also known as a Servlet container or </a:t>
             </a:r>
             <a:r>
               <a:rPr lang="en-US" dirty="0" err="1" smtClean="0"/>
@@ -4326,11 +4322,7 @@
             </a:r>
             <a:r>
               <a:rPr lang="en-US" dirty="0" smtClean="0"/>
-              <a:t>) </a:t>
-            </a:r>
-            <a:r>
-              <a:rPr lang="en-US" dirty="0" smtClean="0"/>
-              <a:t>is the component of a </a:t>
+              <a:t>) is the component of a </a:t>
             </a:r>
             <a:r>
               <a:rPr lang="en-US" dirty="0" smtClean="0">
@@ -6448,7 +6440,7 @@
             <a:fld id="{0DDD1723-F08C-BC4A-A158-087EDAF93B47}" type="datetimeFigureOut">
               <a:rPr lang="en-US"/>
               <a:pPr/>
-              <a:t>7/12/2017</a:t>
+              <a:t>7/14/2017</a:t>
             </a:fld>
             <a:endParaRPr lang="en-US"/>
           </a:p>
@@ -16967,14 +16959,7 @@
                 <a:latin typeface="Arial" panose="020B0604020202020204" pitchFamily="34" charset="0"/>
                 <a:ea typeface="SimSun" panose="02010600030101010101" pitchFamily="2" charset="-122"/>
               </a:rPr>
-              <a:t>call</a:t>
-            </a:r>
-            <a:r>
-              <a:rPr lang="en-US" altLang="zh-CN" sz="2000" dirty="0" smtClean="0">
-                <a:latin typeface="Arial" panose="020B0604020202020204" pitchFamily="34" charset="0"/>
-                <a:ea typeface="SimSun" panose="02010600030101010101" pitchFamily="2" charset="-122"/>
-              </a:rPr>
-              <a:t>:</a:t>
+              <a:t>call:</a:t>
             </a:r>
           </a:p>
           <a:p>
@@ -17110,10 +17095,6 @@
               </a:rPr>
               <a:t>Good place for set up, open Database, </a:t>
             </a:r>
-            <a:endParaRPr lang="en-US" altLang="zh-CN" sz="2000" dirty="0">
-              <a:latin typeface="Arial" panose="020B0604020202020204" pitchFamily="34" charset="0"/>
-              <a:ea typeface="SimSun" panose="02010600030101010101" pitchFamily="2" charset="-122"/>
-            </a:endParaRPr>
           </a:p>
           <a:p>
             <a:pPr marL="457200" lvl="1" indent="0" eaLnBrk="0" hangingPunct="0">
@@ -17131,14 +17112,7 @@
                 <a:latin typeface="Arial" panose="020B0604020202020204" pitchFamily="34" charset="0"/>
                 <a:ea typeface="SimSun" panose="02010600030101010101" pitchFamily="2" charset="-122"/>
               </a:rPr>
-              <a:t>etc</a:t>
-            </a:r>
-            <a:r>
-              <a:rPr lang="en-US" altLang="zh-CN" sz="2000" dirty="0">
-                <a:latin typeface="Arial" panose="020B0604020202020204" pitchFamily="34" charset="0"/>
-                <a:ea typeface="SimSun" panose="02010600030101010101" pitchFamily="2" charset="-122"/>
-              </a:rPr>
-              <a:t>.</a:t>
+              <a:t>etc.</a:t>
             </a:r>
           </a:p>
           <a:p>
@@ -24777,6 +24751,262 @@
         <p:spPr>
           <a:xfrm>
             <a:off x="1052452" y="766826"/>
+            <a:ext cx="4865748" cy="593092"/>
+          </a:xfrm>
+          <a:prstGeom prst="rect">
+            <a:avLst/>
+          </a:prstGeom>
+          <a:solidFill>
+            <a:schemeClr val="bg1"/>
+          </a:solidFill>
+        </p:spPr>
+        <p:txBody>
+          <a:bodyPr vert="horz" lIns="36000" tIns="0" rIns="0" bIns="0" rtlCol="0" anchor="ctr">
+            <a:normAutofit fontScale="85000" lnSpcReduction="10000"/>
+          </a:bodyPr>
+          <a:lstStyle>
+            <a:lvl1pPr algn="l" defTabSz="457200" rtl="0" eaLnBrk="1" latinLnBrk="0" hangingPunct="1">
+              <a:spcBef>
+                <a:spcPct val="0"/>
+              </a:spcBef>
+              <a:buNone/>
+              <a:defRPr sz="3000" b="1" kern="1200">
+                <a:solidFill>
+                  <a:srgbClr val="565A5C"/>
+                </a:solidFill>
+                <a:latin typeface="Arial"/>
+                <a:ea typeface="+mj-ea"/>
+                <a:cs typeface="Arial"/>
+              </a:defRPr>
+            </a:lvl1pPr>
+          </a:lstStyle>
+          <a:p>
+            <a:r>
+              <a:rPr lang="en-US" dirty="0"/>
+              <a:t>Servlets - </a:t>
+            </a:r>
+            <a:r>
+              <a:rPr lang="en-US" dirty="0" smtClean="0"/>
+              <a:t>custom http servlet</a:t>
+            </a:r>
+            <a:endParaRPr lang="ro-RO" dirty="0"/>
+          </a:p>
+        </p:txBody>
+      </p:sp>
+      <p:pic>
+        <p:nvPicPr>
+          <p:cNvPr id="7" name="Picture 6"/>
+          <p:cNvPicPr>
+            <a:picLocks noChangeAspect="1"/>
+          </p:cNvPicPr>
+          <p:nvPr/>
+        </p:nvPicPr>
+        <p:blipFill>
+          <a:blip r:embed="rId3">
+            <a:extLst>
+              <a:ext uri="{28A0092B-C50C-407E-A947-70E740481C1C}">
+                <a14:useLocalDpi xmlns:a14="http://schemas.microsoft.com/office/drawing/2010/main" val="0"/>
+              </a:ext>
+            </a:extLst>
+          </a:blip>
+          <a:stretch>
+            <a:fillRect/>
+          </a:stretch>
+        </p:blipFill>
+        <p:spPr>
+          <a:xfrm>
+            <a:off x="7583373" y="276225"/>
+            <a:ext cx="1190625" cy="1323975"/>
+          </a:xfrm>
+          <a:prstGeom prst="rect">
+            <a:avLst/>
+          </a:prstGeom>
+        </p:spPr>
+      </p:pic>
+      <p:sp>
+        <p:nvSpPr>
+          <p:cNvPr id="2" name="Rectangle 1"/>
+          <p:cNvSpPr/>
+          <p:nvPr/>
+        </p:nvSpPr>
+        <p:spPr>
+          <a:xfrm>
+            <a:off x="594273" y="1930274"/>
+            <a:ext cx="8549727" cy="4093428"/>
+          </a:xfrm>
+          <a:prstGeom prst="rect">
+            <a:avLst/>
+          </a:prstGeom>
+        </p:spPr>
+        <p:txBody>
+          <a:bodyPr wrap="square">
+            <a:spAutoFit/>
+          </a:bodyPr>
+          <a:lstStyle/>
+          <a:p>
+            <a:r>
+              <a:rPr lang="en-US" sz="2000" dirty="0"/>
+              <a:t>In </a:t>
+            </a:r>
+            <a:r>
+              <a:rPr lang="en-US" sz="2000" b="1" dirty="0"/>
+              <a:t>web.xml</a:t>
+            </a:r>
+            <a:r>
+              <a:rPr lang="en-US" sz="2000" dirty="0"/>
+              <a:t> you have to declare the servlet and map it to a url or multiple </a:t>
+            </a:r>
+            <a:r>
+              <a:rPr lang="en-US" sz="2000" dirty="0" smtClean="0"/>
+              <a:t>urls :</a:t>
+            </a:r>
+            <a:endParaRPr lang="en-US" sz="2000" dirty="0"/>
+          </a:p>
+          <a:p>
+            <a:endParaRPr lang="en-US" sz="2000" dirty="0"/>
+          </a:p>
+          <a:p>
+            <a:r>
+              <a:rPr lang="en-US" sz="2000" b="1" dirty="0"/>
+              <a:t> </a:t>
+            </a:r>
+            <a:r>
+              <a:rPr lang="en-US" sz="2000" b="1" dirty="0" smtClean="0"/>
+              <a:t>&lt;</a:t>
+            </a:r>
+            <a:r>
+              <a:rPr lang="en-US" sz="2000" b="1" dirty="0"/>
+              <a:t>servlet&gt;</a:t>
+            </a:r>
+          </a:p>
+          <a:p>
+            <a:r>
+              <a:rPr lang="en-US" sz="2000" b="1" dirty="0"/>
+              <a:t>        &lt;servlet-name&gt;HelloWorld&lt;/servlet-name&gt;</a:t>
+            </a:r>
+          </a:p>
+          <a:p>
+            <a:r>
+              <a:rPr lang="en-US" sz="2000" b="1" dirty="0" smtClean="0"/>
+              <a:t>        &lt;</a:t>
+            </a:r>
+            <a:r>
+              <a:rPr lang="en-US" sz="2000" b="1" dirty="0"/>
+              <a:t>servlet-class&gt;ro.teamnet.z2h.web.HelloWorldServlet&lt;/servlet-class&gt;</a:t>
+            </a:r>
+          </a:p>
+          <a:p>
+            <a:r>
+              <a:rPr lang="en-US" sz="2000" b="1" dirty="0"/>
+              <a:t> </a:t>
+            </a:r>
+            <a:r>
+              <a:rPr lang="en-US" sz="2000" b="1" dirty="0" smtClean="0"/>
+              <a:t>&lt;/</a:t>
+            </a:r>
+            <a:r>
+              <a:rPr lang="en-US" sz="2000" b="1" dirty="0"/>
+              <a:t>servlet</a:t>
+            </a:r>
+            <a:r>
+              <a:rPr lang="en-US" sz="2000" b="1" dirty="0" smtClean="0"/>
+              <a:t>&gt;</a:t>
+            </a:r>
+          </a:p>
+          <a:p>
+            <a:endParaRPr lang="en-US" sz="2000" b="1" dirty="0"/>
+          </a:p>
+          <a:p>
+            <a:r>
+              <a:rPr lang="en-US" sz="2000" b="1" dirty="0"/>
+              <a:t> </a:t>
+            </a:r>
+            <a:r>
+              <a:rPr lang="en-US" sz="2000" b="1" dirty="0" smtClean="0"/>
+              <a:t>&lt;</a:t>
+            </a:r>
+            <a:r>
+              <a:rPr lang="en-US" sz="2000" b="1" dirty="0"/>
+              <a:t>servlet-mapping&gt;</a:t>
+            </a:r>
+          </a:p>
+          <a:p>
+            <a:r>
+              <a:rPr lang="en-US" sz="2000" b="1" dirty="0"/>
+              <a:t>        &lt;servlet-name&gt;HelloWorld&lt;/servlet-name&gt;</a:t>
+            </a:r>
+          </a:p>
+          <a:p>
+            <a:r>
+              <a:rPr lang="en-US" sz="2000" b="1" dirty="0"/>
+              <a:t>        &lt;url-pattern&gt;/hello&lt;/url-pattern&gt;</a:t>
+            </a:r>
+          </a:p>
+          <a:p>
+            <a:r>
+              <a:rPr lang="en-US" sz="2000" b="1" dirty="0"/>
+              <a:t> </a:t>
+            </a:r>
+            <a:r>
+              <a:rPr lang="en-US" sz="2000" b="1" dirty="0" smtClean="0"/>
+              <a:t>&lt;/</a:t>
+            </a:r>
+            <a:r>
+              <a:rPr lang="en-US" sz="2000" b="1" dirty="0"/>
+              <a:t>servlet-mapping&gt;</a:t>
+            </a:r>
+            <a:endParaRPr lang="en-US" sz="2000" dirty="0"/>
+          </a:p>
+        </p:txBody>
+      </p:sp>
+    </p:spTree>
+    <p:extLst>
+      <p:ext uri="{BB962C8B-B14F-4D97-AF65-F5344CB8AC3E}">
+        <p14:creationId xmlns:p14="http://schemas.microsoft.com/office/powerpoint/2010/main" val="597260494"/>
+      </p:ext>
+    </p:extLst>
+  </p:cSld>
+  <p:clrMapOvr>
+    <a:masterClrMapping/>
+  </p:clrMapOvr>
+  <p:timing>
+    <p:tnLst>
+      <p:par>
+        <p:cTn id="1" dur="indefinite" restart="never" nodeType="tmRoot"/>
+      </p:par>
+    </p:tnLst>
+  </p:timing>
+</p:sld>
+</file>
+
+<file path=ppt/slides/slide37.xml><?xml version="1.0" encoding="utf-8"?>
+<p:sld xmlns:a="http://schemas.openxmlformats.org/drawingml/2006/main" xmlns:r="http://schemas.openxmlformats.org/officeDocument/2006/relationships" xmlns:p="http://schemas.openxmlformats.org/presentationml/2006/main">
+  <p:cSld>
+    <p:spTree>
+      <p:nvGrpSpPr>
+        <p:cNvPr id="1" name=""/>
+        <p:cNvGrpSpPr/>
+        <p:nvPr/>
+      </p:nvGrpSpPr>
+      <p:grpSpPr>
+        <a:xfrm>
+          <a:off x="0" y="0"/>
+          <a:ext cx="0" cy="0"/>
+          <a:chOff x="0" y="0"/>
+          <a:chExt cx="0" cy="0"/>
+        </a:xfrm>
+      </p:grpSpPr>
+      <p:sp>
+        <p:nvSpPr>
+          <p:cNvPr id="6" name="Title 1"/>
+          <p:cNvSpPr txBox="1">
+            <a:spLocks/>
+          </p:cNvSpPr>
+          <p:nvPr/>
+        </p:nvSpPr>
+        <p:spPr>
+          <a:xfrm>
+            <a:off x="1052452" y="766826"/>
             <a:ext cx="4905532" cy="593092"/>
           </a:xfrm>
           <a:prstGeom prst="rect">
@@ -27518,262 +27748,6 @@
     <p:extLst>
       <p:ext uri="{BB962C8B-B14F-4D97-AF65-F5344CB8AC3E}">
         <p14:creationId xmlns:p14="http://schemas.microsoft.com/office/powerpoint/2010/main" val="4038548007"/>
-      </p:ext>
-    </p:extLst>
-  </p:cSld>
-  <p:clrMapOvr>
-    <a:masterClrMapping/>
-  </p:clrMapOvr>
-  <p:timing>
-    <p:tnLst>
-      <p:par>
-        <p:cTn id="1" dur="indefinite" restart="never" nodeType="tmRoot"/>
-      </p:par>
-    </p:tnLst>
-  </p:timing>
-</p:sld>
-</file>
-
-<file path=ppt/slides/slide37.xml><?xml version="1.0" encoding="utf-8"?>
-<p:sld xmlns:a="http://schemas.openxmlformats.org/drawingml/2006/main" xmlns:r="http://schemas.openxmlformats.org/officeDocument/2006/relationships" xmlns:p="http://schemas.openxmlformats.org/presentationml/2006/main">
-  <p:cSld>
-    <p:spTree>
-      <p:nvGrpSpPr>
-        <p:cNvPr id="1" name=""/>
-        <p:cNvGrpSpPr/>
-        <p:nvPr/>
-      </p:nvGrpSpPr>
-      <p:grpSpPr>
-        <a:xfrm>
-          <a:off x="0" y="0"/>
-          <a:ext cx="0" cy="0"/>
-          <a:chOff x="0" y="0"/>
-          <a:chExt cx="0" cy="0"/>
-        </a:xfrm>
-      </p:grpSpPr>
-      <p:sp>
-        <p:nvSpPr>
-          <p:cNvPr id="6" name="Title 1"/>
-          <p:cNvSpPr txBox="1">
-            <a:spLocks/>
-          </p:cNvSpPr>
-          <p:nvPr/>
-        </p:nvSpPr>
-        <p:spPr>
-          <a:xfrm>
-            <a:off x="1052452" y="766826"/>
-            <a:ext cx="4865748" cy="593092"/>
-          </a:xfrm>
-          <a:prstGeom prst="rect">
-            <a:avLst/>
-          </a:prstGeom>
-          <a:solidFill>
-            <a:schemeClr val="bg1"/>
-          </a:solidFill>
-        </p:spPr>
-        <p:txBody>
-          <a:bodyPr vert="horz" lIns="36000" tIns="0" rIns="0" bIns="0" rtlCol="0" anchor="ctr">
-            <a:normAutofit fontScale="85000" lnSpcReduction="10000"/>
-          </a:bodyPr>
-          <a:lstStyle>
-            <a:lvl1pPr algn="l" defTabSz="457200" rtl="0" eaLnBrk="1" latinLnBrk="0" hangingPunct="1">
-              <a:spcBef>
-                <a:spcPct val="0"/>
-              </a:spcBef>
-              <a:buNone/>
-              <a:defRPr sz="3000" b="1" kern="1200">
-                <a:solidFill>
-                  <a:srgbClr val="565A5C"/>
-                </a:solidFill>
-                <a:latin typeface="Arial"/>
-                <a:ea typeface="+mj-ea"/>
-                <a:cs typeface="Arial"/>
-              </a:defRPr>
-            </a:lvl1pPr>
-          </a:lstStyle>
-          <a:p>
-            <a:r>
-              <a:rPr lang="en-US" dirty="0"/>
-              <a:t>Servlets - </a:t>
-            </a:r>
-            <a:r>
-              <a:rPr lang="en-US" dirty="0" smtClean="0"/>
-              <a:t>custom http servlet</a:t>
-            </a:r>
-            <a:endParaRPr lang="ro-RO" dirty="0"/>
-          </a:p>
-        </p:txBody>
-      </p:sp>
-      <p:pic>
-        <p:nvPicPr>
-          <p:cNvPr id="7" name="Picture 6"/>
-          <p:cNvPicPr>
-            <a:picLocks noChangeAspect="1"/>
-          </p:cNvPicPr>
-          <p:nvPr/>
-        </p:nvPicPr>
-        <p:blipFill>
-          <a:blip r:embed="rId3">
-            <a:extLst>
-              <a:ext uri="{28A0092B-C50C-407E-A947-70E740481C1C}">
-                <a14:useLocalDpi xmlns:a14="http://schemas.microsoft.com/office/drawing/2010/main" val="0"/>
-              </a:ext>
-            </a:extLst>
-          </a:blip>
-          <a:stretch>
-            <a:fillRect/>
-          </a:stretch>
-        </p:blipFill>
-        <p:spPr>
-          <a:xfrm>
-            <a:off x="7583373" y="276225"/>
-            <a:ext cx="1190625" cy="1323975"/>
-          </a:xfrm>
-          <a:prstGeom prst="rect">
-            <a:avLst/>
-          </a:prstGeom>
-        </p:spPr>
-      </p:pic>
-      <p:sp>
-        <p:nvSpPr>
-          <p:cNvPr id="2" name="Rectangle 1"/>
-          <p:cNvSpPr/>
-          <p:nvPr/>
-        </p:nvSpPr>
-        <p:spPr>
-          <a:xfrm>
-            <a:off x="594273" y="1930274"/>
-            <a:ext cx="8549727" cy="4093428"/>
-          </a:xfrm>
-          <a:prstGeom prst="rect">
-            <a:avLst/>
-          </a:prstGeom>
-        </p:spPr>
-        <p:txBody>
-          <a:bodyPr wrap="square">
-            <a:spAutoFit/>
-          </a:bodyPr>
-          <a:lstStyle/>
-          <a:p>
-            <a:r>
-              <a:rPr lang="en-US" sz="2000" dirty="0"/>
-              <a:t>In </a:t>
-            </a:r>
-            <a:r>
-              <a:rPr lang="en-US" sz="2000" b="1" dirty="0"/>
-              <a:t>web.xml</a:t>
-            </a:r>
-            <a:r>
-              <a:rPr lang="en-US" sz="2000" dirty="0"/>
-              <a:t> you have to declare the servlet and map it to a url or multiple </a:t>
-            </a:r>
-            <a:r>
-              <a:rPr lang="en-US" sz="2000" dirty="0" smtClean="0"/>
-              <a:t>urls :</a:t>
-            </a:r>
-            <a:endParaRPr lang="en-US" sz="2000" dirty="0"/>
-          </a:p>
-          <a:p>
-            <a:endParaRPr lang="en-US" sz="2000" dirty="0"/>
-          </a:p>
-          <a:p>
-            <a:r>
-              <a:rPr lang="en-US" sz="2000" b="1" dirty="0"/>
-              <a:t> </a:t>
-            </a:r>
-            <a:r>
-              <a:rPr lang="en-US" sz="2000" b="1" dirty="0" smtClean="0"/>
-              <a:t>&lt;</a:t>
-            </a:r>
-            <a:r>
-              <a:rPr lang="en-US" sz="2000" b="1" dirty="0"/>
-              <a:t>servlet&gt;</a:t>
-            </a:r>
-          </a:p>
-          <a:p>
-            <a:r>
-              <a:rPr lang="en-US" sz="2000" b="1" dirty="0"/>
-              <a:t>        &lt;servlet-name&gt;HelloWorld&lt;/servlet-name&gt;</a:t>
-            </a:r>
-          </a:p>
-          <a:p>
-            <a:r>
-              <a:rPr lang="en-US" sz="2000" b="1" dirty="0" smtClean="0"/>
-              <a:t>        &lt;</a:t>
-            </a:r>
-            <a:r>
-              <a:rPr lang="en-US" sz="2000" b="1" dirty="0"/>
-              <a:t>servlet-class&gt;ro.teamnet.z2h.web.HelloWorldServlet&lt;/servlet-class&gt;</a:t>
-            </a:r>
-          </a:p>
-          <a:p>
-            <a:r>
-              <a:rPr lang="en-US" sz="2000" b="1" dirty="0"/>
-              <a:t> </a:t>
-            </a:r>
-            <a:r>
-              <a:rPr lang="en-US" sz="2000" b="1" dirty="0" smtClean="0"/>
-              <a:t>&lt;/</a:t>
-            </a:r>
-            <a:r>
-              <a:rPr lang="en-US" sz="2000" b="1" dirty="0"/>
-              <a:t>servlet</a:t>
-            </a:r>
-            <a:r>
-              <a:rPr lang="en-US" sz="2000" b="1" dirty="0" smtClean="0"/>
-              <a:t>&gt;</a:t>
-            </a:r>
-          </a:p>
-          <a:p>
-            <a:endParaRPr lang="en-US" sz="2000" b="1" dirty="0"/>
-          </a:p>
-          <a:p>
-            <a:r>
-              <a:rPr lang="en-US" sz="2000" b="1" dirty="0"/>
-              <a:t> </a:t>
-            </a:r>
-            <a:r>
-              <a:rPr lang="en-US" sz="2000" b="1" dirty="0" smtClean="0"/>
-              <a:t>&lt;</a:t>
-            </a:r>
-            <a:r>
-              <a:rPr lang="en-US" sz="2000" b="1" dirty="0"/>
-              <a:t>servlet-mapping&gt;</a:t>
-            </a:r>
-          </a:p>
-          <a:p>
-            <a:r>
-              <a:rPr lang="en-US" sz="2000" b="1" dirty="0"/>
-              <a:t>        &lt;servlet-name&gt;HelloWorld&lt;/servlet-name&gt;</a:t>
-            </a:r>
-          </a:p>
-          <a:p>
-            <a:r>
-              <a:rPr lang="en-US" sz="2000" b="1" dirty="0"/>
-              <a:t>        &lt;url-pattern&gt;/hello&lt;/url-pattern&gt;</a:t>
-            </a:r>
-          </a:p>
-          <a:p>
-            <a:r>
-              <a:rPr lang="en-US" sz="2000" b="1" dirty="0"/>
-              <a:t> </a:t>
-            </a:r>
-            <a:r>
-              <a:rPr lang="en-US" sz="2000" b="1" dirty="0" smtClean="0"/>
-              <a:t>&lt;/</a:t>
-            </a:r>
-            <a:r>
-              <a:rPr lang="en-US" sz="2000" b="1" dirty="0"/>
-              <a:t>servlet-mapping&gt;</a:t>
-            </a:r>
-            <a:endParaRPr lang="en-US" sz="2000" dirty="0"/>
-          </a:p>
-        </p:txBody>
-      </p:sp>
-    </p:spTree>
-    <p:extLst>
-      <p:ext uri="{BB962C8B-B14F-4D97-AF65-F5344CB8AC3E}">
-        <p14:creationId xmlns:p14="http://schemas.microsoft.com/office/powerpoint/2010/main" val="597260494"/>
       </p:ext>
     </p:extLst>
   </p:cSld>
@@ -28578,11 +28552,7 @@
             </a:r>
             <a:r>
               <a:rPr lang="en-US" sz="2000" dirty="0" smtClean="0"/>
-              <a:t> </a:t>
-            </a:r>
-            <a:r>
-              <a:rPr lang="en-US" sz="2000" dirty="0" smtClean="0"/>
-              <a:t>sets the content type of the response . If you return an html then invoke the method </a:t>
+              <a:t> sets the content type of the response . If you return an html then invoke the method </a:t>
             </a:r>
             <a:r>
               <a:rPr lang="en-US" sz="2000" dirty="0"/>
@@ -31105,15 +31075,6 @@
 </file>
 
 <file path=customXml/item1.xml><?xml version="1.0" encoding="utf-8"?>
-<p:properties xmlns:p="http://schemas.microsoft.com/office/2006/metadata/properties" xmlns:xsi="http://www.w3.org/2001/XMLSchema-instance" xmlns:pc="http://schemas.microsoft.com/office/infopath/2007/PartnerControls">
-  <documentManagement>
-    <PublishingExpirationDate xmlns="http://schemas.microsoft.com/sharepoint/v3" xsi:nil="true"/>
-    <PublishingStartDate xmlns="http://schemas.microsoft.com/sharepoint/v3" xsi:nil="true"/>
-  </documentManagement>
-</p:properties>
-</file>
-
-<file path=customXml/item2.xml><?xml version="1.0" encoding="utf-8"?>
 <?mso-contentType ?>
 <FormTemplates xmlns="http://schemas.microsoft.com/sharepoint/v3/contenttype/forms">
   <Display>DocumentLibraryForm</Display>
@@ -31122,7 +31083,7 @@
 </FormTemplates>
 </file>
 
-<file path=customXml/item3.xml><?xml version="1.0" encoding="utf-8"?>
+<file path=customXml/item2.xml><?xml version="1.0" encoding="utf-8"?>
 <ct:contentTypeSchema xmlns:ct="http://schemas.microsoft.com/office/2006/metadata/contentType" xmlns:ma="http://schemas.microsoft.com/office/2006/metadata/properties/metaAttributes" ct:_="" ma:_="" ma:contentTypeName="Document" ma:contentTypeID="0x0101002EAB9993CCBF73478E12853278F3FB5C" ma:contentTypeVersion="1" ma:contentTypeDescription="Create a new document." ma:contentTypeScope="" ma:versionID="4db10d317033d09fed4d0297d17c663a">
   <xsd:schema xmlns:xsd="http://www.w3.org/2001/XMLSchema" xmlns:xs="http://www.w3.org/2001/XMLSchema" xmlns:p="http://schemas.microsoft.com/office/2006/metadata/properties" xmlns:ns1="http://schemas.microsoft.com/sharepoint/v3" targetNamespace="http://schemas.microsoft.com/office/2006/metadata/properties" ma:root="true" ma:fieldsID="48c5b5cd9b8d25ff6dd15848836f4270" ns1:_="">
     <xsd:import namespace="http://schemas.microsoft.com/sharepoint/v3"/>
@@ -31254,23 +31215,16 @@
 </ct:contentTypeSchema>
 </file>
 
-<file path=customXml/itemProps1.xml><?xml version="1.0" encoding="utf-8"?>
-<ds:datastoreItem xmlns:ds="http://schemas.openxmlformats.org/officeDocument/2006/customXml" ds:itemID="{C1424CC9-255C-4972-B5F2-6F19B32F3DEA}">
-  <ds:schemaRefs>
-    <ds:schemaRef ds:uri="http://purl.org/dc/terms/"/>
-    <ds:schemaRef ds:uri="http://schemas.openxmlformats.org/package/2006/metadata/core-properties"/>
-    <ds:schemaRef ds:uri="http://schemas.microsoft.com/office/2006/documentManagement/types"/>
-    <ds:schemaRef ds:uri="http://www.w3.org/XML/1998/namespace"/>
-    <ds:schemaRef ds:uri="http://purl.org/dc/elements/1.1/"/>
-    <ds:schemaRef ds:uri="http://schemas.microsoft.com/office/2006/metadata/properties"/>
-    <ds:schemaRef ds:uri="http://schemas.microsoft.com/office/infopath/2007/PartnerControls"/>
-    <ds:schemaRef ds:uri="http://schemas.microsoft.com/sharepoint/v3"/>
-    <ds:schemaRef ds:uri="http://purl.org/dc/dcmitype/"/>
-  </ds:schemaRefs>
-</ds:datastoreItem>
+<file path=customXml/item3.xml><?xml version="1.0" encoding="utf-8"?>
+<p:properties xmlns:p="http://schemas.microsoft.com/office/2006/metadata/properties" xmlns:xsi="http://www.w3.org/2001/XMLSchema-instance" xmlns:pc="http://schemas.microsoft.com/office/infopath/2007/PartnerControls">
+  <documentManagement>
+    <PublishingExpirationDate xmlns="http://schemas.microsoft.com/sharepoint/v3" xsi:nil="true"/>
+    <PublishingStartDate xmlns="http://schemas.microsoft.com/sharepoint/v3" xsi:nil="true"/>
+  </documentManagement>
+</p:properties>
 </file>
 
-<file path=customXml/itemProps2.xml><?xml version="1.0" encoding="utf-8"?>
+<file path=customXml/itemProps1.xml><?xml version="1.0" encoding="utf-8"?>
 <ds:datastoreItem xmlns:ds="http://schemas.openxmlformats.org/officeDocument/2006/customXml" ds:itemID="{B3E8851E-A513-4DE1-BFEA-60B7444A3522}">
   <ds:schemaRefs>
     <ds:schemaRef ds:uri="http://schemas.microsoft.com/sharepoint/v3/contenttype/forms"/>
@@ -31278,7 +31232,7 @@
 </ds:datastoreItem>
 </file>
 
-<file path=customXml/itemProps3.xml><?xml version="1.0" encoding="utf-8"?>
+<file path=customXml/itemProps2.xml><?xml version="1.0" encoding="utf-8"?>
 <ds:datastoreItem xmlns:ds="http://schemas.openxmlformats.org/officeDocument/2006/customXml" ds:itemID="{E29AC310-E4D3-4181-8DC8-8BCBD631C9E0}">
   <ds:schemaRefs>
     <ds:schemaRef ds:uri="http://schemas.microsoft.com/office/2006/metadata/contentType"/>
@@ -31294,4 +31248,20 @@
     <ds:schemaRef ds:uri="http://schemas.microsoft.com/internal/obd"/>
   </ds:schemaRefs>
 </ds:datastoreItem>
+</file>
+
+<file path=customXml/itemProps3.xml><?xml version="1.0" encoding="utf-8"?>
+<ds:datastoreItem xmlns:ds="http://schemas.openxmlformats.org/officeDocument/2006/customXml" ds:itemID="{C1424CC9-255C-4972-B5F2-6F19B32F3DEA}">
+  <ds:schemaRefs>
+    <ds:schemaRef ds:uri="http://purl.org/dc/terms/"/>
+    <ds:schemaRef ds:uri="http://schemas.openxmlformats.org/package/2006/metadata/core-properties"/>
+    <ds:schemaRef ds:uri="http://schemas.microsoft.com/office/2006/documentManagement/types"/>
+    <ds:schemaRef ds:uri="http://www.w3.org/XML/1998/namespace"/>
+    <ds:schemaRef ds:uri="http://purl.org/dc/elements/1.1/"/>
+    <ds:schemaRef ds:uri="http://schemas.microsoft.com/office/2006/metadata/properties"/>
+    <ds:schemaRef ds:uri="http://schemas.microsoft.com/office/infopath/2007/PartnerControls"/>
+    <ds:schemaRef ds:uri="http://schemas.microsoft.com/sharepoint/v3"/>
+    <ds:schemaRef ds:uri="http://purl.org/dc/dcmitype/"/>
+  </ds:schemaRefs>
+</ds:datastoreItem>
 </file>
--- a/Servlets/Day1/Docs/Web Presentation-Part1.pptx
+++ b/Servlets/Day1/Docs/Web Presentation-Part1.pptx
@@ -256,7 +256,7 @@
           <a:p>
             <a:fld id="{4F94E7C4-328C-457B-8CA2-EE381C323794}" type="datetimeFigureOut">
               <a:rPr lang="en-US" smtClean="0"/>
-              <a:t>7/14/2017</a:t>
+              <a:t>7/18/2017</a:t>
             </a:fld>
             <a:endParaRPr lang="en-US"/>
           </a:p>
@@ -6440,7 +6440,7 @@
             <a:fld id="{0DDD1723-F08C-BC4A-A158-087EDAF93B47}" type="datetimeFigureOut">
               <a:rPr lang="en-US"/>
               <a:pPr/>
-              <a:t>7/14/2017</a:t>
+              <a:t>7/18/2017</a:t>
             </a:fld>
             <a:endParaRPr lang="en-US"/>
           </a:p>
@@ -7879,116 +7879,116 @@
           <a:p>
             <a:pPr algn="l"/>
             <a:r>
-              <a:rPr lang="en-US" b="1" dirty="0"/>
+              <a:rPr lang="en-US" sz="2000" b="1" dirty="0"/>
               <a:t>Apache Tomcat</a:t>
             </a:r>
             <a:r>
-              <a:rPr lang="en-US" dirty="0"/>
+              <a:rPr lang="en-US" sz="2000" dirty="0"/>
               <a:t> </a:t>
             </a:r>
             <a:r>
-              <a:rPr lang="en-US" dirty="0" smtClean="0"/>
+              <a:rPr lang="en-US" sz="2000" dirty="0" smtClean="0"/>
               <a:t>is </a:t>
             </a:r>
             <a:r>
-              <a:rPr lang="en-US" dirty="0"/>
+              <a:rPr lang="en-US" sz="2000" dirty="0"/>
               <a:t>an open source </a:t>
             </a:r>
             <a:r>
-              <a:rPr lang="en-US" b="1" dirty="0"/>
+              <a:rPr lang="en-US" sz="2000" b="1" dirty="0"/>
               <a:t>web server</a:t>
             </a:r>
             <a:r>
-              <a:rPr lang="en-US" dirty="0"/>
+              <a:rPr lang="en-US" sz="2000" dirty="0"/>
               <a:t> and </a:t>
             </a:r>
             <a:r>
-              <a:rPr lang="en-US" b="1" dirty="0"/>
+              <a:rPr lang="en-US" sz="2000" b="1" dirty="0"/>
               <a:t>servlet </a:t>
             </a:r>
             <a:r>
-              <a:rPr lang="en-US" b="1" dirty="0" smtClean="0"/>
+              <a:rPr lang="en-US" sz="2000" b="1" dirty="0" smtClean="0"/>
               <a:t>container</a:t>
             </a:r>
           </a:p>
           <a:p>
             <a:pPr algn="l"/>
-            <a:endParaRPr lang="en-US" dirty="0"/>
+            <a:endParaRPr lang="en-US" sz="2000" dirty="0"/>
           </a:p>
           <a:p>
             <a:pPr algn="l"/>
             <a:r>
-              <a:rPr lang="en-US" dirty="0" smtClean="0"/>
+              <a:rPr lang="en-US" sz="2000" dirty="0" smtClean="0"/>
               <a:t>Tomcat </a:t>
             </a:r>
             <a:r>
-              <a:rPr lang="en-US" dirty="0"/>
+              <a:rPr lang="en-US" sz="2000" dirty="0"/>
               <a:t>implements the Java Servlet and the JavaServer Pages (JSP) specifications from Oracle, and provides a "pure Java" </a:t>
             </a:r>
             <a:r>
-              <a:rPr lang="en-US" b="1" dirty="0"/>
+              <a:rPr lang="en-US" sz="2000" b="1" dirty="0"/>
               <a:t>HTTP</a:t>
             </a:r>
             <a:r>
-              <a:rPr lang="en-US" dirty="0"/>
+              <a:rPr lang="en-US" sz="2000" dirty="0"/>
               <a:t> web server environment </a:t>
             </a:r>
             <a:r>
-              <a:rPr lang="en-US" dirty="0" smtClean="0"/>
+              <a:rPr lang="en-US" sz="2000" dirty="0" smtClean="0"/>
               <a:t>for Java</a:t>
             </a:r>
             <a:r>
-              <a:rPr lang="en-US" dirty="0"/>
+              <a:rPr lang="en-US" sz="2000" dirty="0"/>
               <a:t> code to run </a:t>
             </a:r>
             <a:r>
-              <a:rPr lang="en-US" dirty="0" smtClean="0"/>
+              <a:rPr lang="en-US" sz="2000" dirty="0" smtClean="0"/>
               <a:t>in. </a:t>
             </a:r>
           </a:p>
           <a:p>
             <a:pPr algn="l"/>
-            <a:endParaRPr lang="en-US" dirty="0"/>
+            <a:endParaRPr lang="en-US" sz="2000" dirty="0"/>
           </a:p>
           <a:p>
             <a:pPr algn="l"/>
             <a:r>
-              <a:rPr lang="en-US" dirty="0" smtClean="0"/>
+              <a:rPr lang="en-US" sz="2000" dirty="0" smtClean="0"/>
               <a:t>In the simplest configuration Tomcat runs in a single operating system </a:t>
             </a:r>
             <a:r>
-              <a:rPr lang="en-US" b="1" dirty="0" smtClean="0"/>
+              <a:rPr lang="en-US" sz="2000" b="1" dirty="0" smtClean="0"/>
               <a:t>process</a:t>
             </a:r>
             <a:r>
-              <a:rPr lang="en-US" dirty="0" smtClean="0"/>
+              <a:rPr lang="en-US" sz="2000" dirty="0" smtClean="0"/>
               <a:t>. The </a:t>
             </a:r>
             <a:r>
-              <a:rPr lang="en-US" dirty="0"/>
+              <a:rPr lang="en-US" sz="2000" dirty="0"/>
               <a:t>process runs a Java virtual machine (JVM). Every single HTTP request from a browser to Tomcat is processed in the Tomcat process in a separate thread</a:t>
             </a:r>
             <a:r>
-              <a:rPr lang="en-US" dirty="0" smtClean="0"/>
+              <a:rPr lang="en-US" sz="2000" dirty="0" smtClean="0"/>
               <a:t>.</a:t>
             </a:r>
           </a:p>
           <a:p>
             <a:pPr algn="l"/>
-            <a:endParaRPr lang="en-US" dirty="0"/>
+            <a:endParaRPr lang="en-US" sz="2000" dirty="0"/>
           </a:p>
           <a:p>
             <a:pPr algn="l"/>
             <a:r>
-              <a:rPr lang="en-US" dirty="0"/>
+              <a:rPr lang="en-US" sz="2000" dirty="0"/>
               <a:t>Apache Tomcat includes tools for configuration and management, but can also be configured by editing </a:t>
             </a:r>
             <a:r>
-              <a:rPr lang="en-US" b="1" dirty="0"/>
+              <a:rPr lang="en-US" sz="2000" b="1" dirty="0"/>
               <a:t>XML</a:t>
             </a:r>
             <a:r>
-              <a:rPr lang="en-US" dirty="0"/>
+              <a:rPr lang="en-US" sz="2000" dirty="0"/>
               <a:t> configuration files.</a:t>
             </a:r>
           </a:p>
@@ -8108,7 +8108,7 @@
         <p:spPr>
           <a:xfrm>
             <a:off x="703172" y="1719840"/>
-            <a:ext cx="7725128" cy="923330"/>
+            <a:ext cx="7725128" cy="1015663"/>
           </a:xfrm>
           <a:prstGeom prst="rect">
             <a:avLst/>
@@ -8125,25 +8125,25 @@
               <a:buChar char="•"/>
             </a:pPr>
             <a:r>
-              <a:rPr lang="en-US" dirty="0"/>
+              <a:rPr lang="en-US" sz="2000" dirty="0"/>
               <a:t>Open </a:t>
             </a:r>
             <a:r>
-              <a:rPr lang="en-US" dirty="0" smtClean="0"/>
+              <a:rPr lang="en-US" sz="2000" dirty="0" smtClean="0"/>
               <a:t>file Workshop 1 - Server </a:t>
             </a:r>
             <a:r>
-              <a:rPr lang="en-US" dirty="0"/>
+              <a:rPr lang="en-US" sz="2000" dirty="0"/>
               <a:t>configuration.docx</a:t>
             </a:r>
-            <a:endParaRPr lang="en-US" dirty="0" smtClean="0"/>
+            <a:endParaRPr lang="en-US" sz="2000" dirty="0" smtClean="0"/>
           </a:p>
           <a:p>
             <a:pPr marL="285750" indent="-285750">
               <a:buFont typeface="Arial" panose="020B0604020202020204" pitchFamily="34" charset="0"/>
               <a:buChar char="•"/>
             </a:pPr>
-            <a:endParaRPr lang="en-US" b="1" dirty="0" smtClean="0"/>
+            <a:endParaRPr lang="en-US" sz="2000" b="1" dirty="0" smtClean="0"/>
           </a:p>
           <a:p>
             <a:pPr marL="285750" indent="-285750">
@@ -8151,10 +8151,10 @@
               <a:buChar char="•"/>
             </a:pPr>
             <a:r>
-              <a:rPr lang="en-US" dirty="0" smtClean="0"/>
+              <a:rPr lang="en-US" sz="2000" dirty="0" smtClean="0"/>
               <a:t>Begin workshop </a:t>
             </a:r>
-            <a:endParaRPr lang="en-US" dirty="0"/>
+            <a:endParaRPr lang="en-US" sz="2000" dirty="0"/>
           </a:p>
         </p:txBody>
       </p:sp>
@@ -8363,16 +8363,20 @@
         <p:spPr/>
         <p:txBody>
           <a:bodyPr>
-            <a:normAutofit/>
+            <a:normAutofit lnSpcReduction="10000"/>
           </a:bodyPr>
           <a:lstStyle/>
           <a:p>
-            <a:endParaRPr lang="en-US" dirty="0" smtClean="0"/>
-          </a:p>
-          <a:p>
-            <a:r>
-              <a:rPr lang="en-US" dirty="0"/>
-              <a:t>Maven standardizes the sources structure of a web application</a:t>
+            <a:endParaRPr lang="en-US" sz="2000" dirty="0" smtClean="0"/>
+          </a:p>
+          <a:p>
+            <a:r>
+              <a:rPr lang="en-US" sz="2000" dirty="0" smtClean="0"/>
+              <a:t>Maven </a:t>
+            </a:r>
+            <a:r>
+              <a:rPr lang="en-US" sz="2000" dirty="0"/>
+              <a:t>standardizes the sources structure of a web application</a:t>
             </a:r>
           </a:p>
           <a:p>
@@ -8497,7 +8501,7 @@
         </p:blipFill>
         <p:spPr>
           <a:xfrm>
-            <a:off x="1841500" y="1968500"/>
+            <a:off x="2346467" y="2186864"/>
             <a:ext cx="2444750" cy="2444750"/>
           </a:xfrm>
           <a:prstGeom prst="rect">
@@ -30345,99 +30349,99 @@
           </a:lstStyle>
           <a:p>
             <a:r>
-              <a:rPr lang="en-US" dirty="0"/>
+              <a:rPr lang="en-US" sz="2000" dirty="0"/>
               <a:t>The </a:t>
             </a:r>
             <a:r>
-              <a:rPr lang="en-US" b="1" dirty="0"/>
+              <a:rPr lang="en-US" sz="2000" b="1" dirty="0"/>
               <a:t>web container</a:t>
             </a:r>
             <a:r>
-              <a:rPr lang="en-US" dirty="0"/>
+              <a:rPr lang="en-US" sz="2000" dirty="0"/>
               <a:t> is the interface between web components and the web server. </a:t>
             </a:r>
-            <a:endParaRPr lang="en-US" dirty="0" smtClean="0"/>
+            <a:endParaRPr lang="en-US" sz="2000" dirty="0" smtClean="0"/>
           </a:p>
           <a:p>
             <a:pPr marL="0" indent="0">
               <a:buNone/>
             </a:pPr>
-            <a:endParaRPr lang="en-US" dirty="0"/>
-          </a:p>
-          <a:p>
-            <a:r>
-              <a:rPr lang="en-US" dirty="0" smtClean="0"/>
+            <a:endParaRPr lang="en-US" sz="2000" dirty="0"/>
+          </a:p>
+          <a:p>
+            <a:r>
+              <a:rPr lang="en-US" sz="2000" dirty="0" smtClean="0"/>
               <a:t>The </a:t>
             </a:r>
             <a:r>
-              <a:rPr lang="en-US" b="1" dirty="0"/>
+              <a:rPr lang="en-US" sz="2000" b="1" dirty="0"/>
               <a:t>web container </a:t>
             </a:r>
             <a:r>
-              <a:rPr lang="en-US" dirty="0" smtClean="0"/>
+              <a:rPr lang="en-US" sz="2000" dirty="0" smtClean="0"/>
               <a:t>offers:</a:t>
             </a:r>
           </a:p>
           <a:p>
             <a:pPr lvl="1"/>
             <a:r>
-              <a:rPr lang="en-US" dirty="0"/>
+              <a:rPr lang="en-US" sz="2000" dirty="0"/>
               <a:t>Communication </a:t>
             </a:r>
             <a:r>
-              <a:rPr lang="en-US" dirty="0" smtClean="0"/>
+              <a:rPr lang="en-US" sz="2000" dirty="0" smtClean="0"/>
               <a:t>Support</a:t>
             </a:r>
           </a:p>
           <a:p>
             <a:pPr lvl="1"/>
             <a:r>
-              <a:rPr lang="en-US" dirty="0" smtClean="0"/>
+              <a:rPr lang="en-US" sz="2000" dirty="0" smtClean="0"/>
               <a:t>Lifecycle Management</a:t>
             </a:r>
           </a:p>
           <a:p>
             <a:pPr lvl="1"/>
             <a:r>
-              <a:rPr lang="en-US" dirty="0" smtClean="0"/>
+              <a:rPr lang="en-US" sz="2000" dirty="0" smtClean="0"/>
               <a:t>Multi-threading support</a:t>
             </a:r>
-            <a:endParaRPr lang="en-US" dirty="0"/>
+            <a:endParaRPr lang="en-US" sz="2000" dirty="0"/>
           </a:p>
           <a:p>
             <a:pPr lvl="1"/>
             <a:r>
-              <a:rPr lang="en-US" dirty="0" smtClean="0"/>
+              <a:rPr lang="en-US" sz="2000" dirty="0" smtClean="0"/>
               <a:t>Security</a:t>
             </a:r>
-            <a:endParaRPr lang="en-US" dirty="0"/>
+            <a:endParaRPr lang="en-US" sz="2000" dirty="0"/>
           </a:p>
           <a:p>
             <a:pPr lvl="1"/>
             <a:r>
-              <a:rPr lang="en-US" dirty="0"/>
+              <a:rPr lang="en-US" sz="2000" dirty="0"/>
               <a:t>JSP </a:t>
             </a:r>
             <a:r>
-              <a:rPr lang="en-US" dirty="0" smtClean="0"/>
+              <a:rPr lang="en-US" sz="2000" dirty="0" smtClean="0"/>
               <a:t>Support</a:t>
             </a:r>
           </a:p>
           <a:p>
             <a:pPr lvl="1"/>
-            <a:endParaRPr lang="en-US" dirty="0"/>
-          </a:p>
-          <a:p>
-            <a:r>
-              <a:rPr lang="en-US" dirty="0"/>
+            <a:endParaRPr lang="en-US" sz="2000" dirty="0"/>
+          </a:p>
+          <a:p>
+            <a:r>
+              <a:rPr lang="en-US" sz="2000" dirty="0"/>
               <a:t>A </a:t>
             </a:r>
             <a:r>
-              <a:rPr lang="en-US" b="1" dirty="0"/>
+              <a:rPr lang="en-US" sz="2000" b="1" dirty="0"/>
               <a:t>web component</a:t>
             </a:r>
             <a:r>
-              <a:rPr lang="en-US" dirty="0"/>
+              <a:rPr lang="en-US" sz="2000" dirty="0"/>
               <a:t> can be a Servlet, a JSP page, or a Java Server Faces page. </a:t>
             </a:r>
           </a:p>
@@ -31075,15 +31079,6 @@
 </file>
 
 <file path=customXml/item1.xml><?xml version="1.0" encoding="utf-8"?>
-<?mso-contentType ?>
-<FormTemplates xmlns="http://schemas.microsoft.com/sharepoint/v3/contenttype/forms">
-  <Display>DocumentLibraryForm</Display>
-  <Edit>DocumentLibraryForm</Edit>
-  <New>DocumentLibraryForm</New>
-</FormTemplates>
-</file>
-
-<file path=customXml/item2.xml><?xml version="1.0" encoding="utf-8"?>
 <ct:contentTypeSchema xmlns:ct="http://schemas.microsoft.com/office/2006/metadata/contentType" xmlns:ma="http://schemas.microsoft.com/office/2006/metadata/properties/metaAttributes" ct:_="" ma:_="" ma:contentTypeName="Document" ma:contentTypeID="0x0101002EAB9993CCBF73478E12853278F3FB5C" ma:contentTypeVersion="1" ma:contentTypeDescription="Create a new document." ma:contentTypeScope="" ma:versionID="4db10d317033d09fed4d0297d17c663a">
   <xsd:schema xmlns:xsd="http://www.w3.org/2001/XMLSchema" xmlns:xs="http://www.w3.org/2001/XMLSchema" xmlns:p="http://schemas.microsoft.com/office/2006/metadata/properties" xmlns:ns1="http://schemas.microsoft.com/sharepoint/v3" targetNamespace="http://schemas.microsoft.com/office/2006/metadata/properties" ma:root="true" ma:fieldsID="48c5b5cd9b8d25ff6dd15848836f4270" ns1:_="">
     <xsd:import namespace="http://schemas.microsoft.com/sharepoint/v3"/>
@@ -31215,7 +31210,7 @@
 </ct:contentTypeSchema>
 </file>
 
-<file path=customXml/item3.xml><?xml version="1.0" encoding="utf-8"?>
+<file path=customXml/item2.xml><?xml version="1.0" encoding="utf-8"?>
 <p:properties xmlns:p="http://schemas.microsoft.com/office/2006/metadata/properties" xmlns:xsi="http://www.w3.org/2001/XMLSchema-instance" xmlns:pc="http://schemas.microsoft.com/office/infopath/2007/PartnerControls">
   <documentManagement>
     <PublishingExpirationDate xmlns="http://schemas.microsoft.com/sharepoint/v3" xsi:nil="true"/>
@@ -31224,15 +31219,16 @@
 </p:properties>
 </file>
 
-<file path=customXml/itemProps1.xml><?xml version="1.0" encoding="utf-8"?>
-<ds:datastoreItem xmlns:ds="http://schemas.openxmlformats.org/officeDocument/2006/customXml" ds:itemID="{B3E8851E-A513-4DE1-BFEA-60B7444A3522}">
-  <ds:schemaRefs>
-    <ds:schemaRef ds:uri="http://schemas.microsoft.com/sharepoint/v3/contenttype/forms"/>
-  </ds:schemaRefs>
-</ds:datastoreItem>
+<file path=customXml/item3.xml><?xml version="1.0" encoding="utf-8"?>
+<?mso-contentType ?>
+<FormTemplates xmlns="http://schemas.microsoft.com/sharepoint/v3/contenttype/forms">
+  <Display>DocumentLibraryForm</Display>
+  <Edit>DocumentLibraryForm</Edit>
+  <New>DocumentLibraryForm</New>
+</FormTemplates>
 </file>
 
-<file path=customXml/itemProps2.xml><?xml version="1.0" encoding="utf-8"?>
+<file path=customXml/itemProps1.xml><?xml version="1.0" encoding="utf-8"?>
 <ds:datastoreItem xmlns:ds="http://schemas.openxmlformats.org/officeDocument/2006/customXml" ds:itemID="{E29AC310-E4D3-4181-8DC8-8BCBD631C9E0}">
   <ds:schemaRefs>
     <ds:schemaRef ds:uri="http://schemas.microsoft.com/office/2006/metadata/contentType"/>
@@ -31250,7 +31246,7 @@
 </ds:datastoreItem>
 </file>
 
-<file path=customXml/itemProps3.xml><?xml version="1.0" encoding="utf-8"?>
+<file path=customXml/itemProps2.xml><?xml version="1.0" encoding="utf-8"?>
 <ds:datastoreItem xmlns:ds="http://schemas.openxmlformats.org/officeDocument/2006/customXml" ds:itemID="{C1424CC9-255C-4972-B5F2-6F19B32F3DEA}">
   <ds:schemaRefs>
     <ds:schemaRef ds:uri="http://purl.org/dc/terms/"/>
@@ -31264,4 +31260,12 @@
     <ds:schemaRef ds:uri="http://purl.org/dc/dcmitype/"/>
   </ds:schemaRefs>
 </ds:datastoreItem>
+</file>
+
+<file path=customXml/itemProps3.xml><?xml version="1.0" encoding="utf-8"?>
+<ds:datastoreItem xmlns:ds="http://schemas.openxmlformats.org/officeDocument/2006/customXml" ds:itemID="{B3E8851E-A513-4DE1-BFEA-60B7444A3522}">
+  <ds:schemaRefs>
+    <ds:schemaRef ds:uri="http://schemas.microsoft.com/sharepoint/v3/contenttype/forms"/>
+  </ds:schemaRefs>
+</ds:datastoreItem>
 </file>